--- a/docs/week-10-advanced-tree-structures/ce205-week-10-advanced-tree-structures.md_word.pptx
+++ b/docs/week-10-advanced-tree-structures/ce205-week-10-advanced-tree-structures.md_word.pptx
@@ -9,6 +9,33 @@
     <p:sldId id="257" r:id="rId3"/>
     <p:sldId id="258" r:id="rId4"/>
     <p:sldId id="259" r:id="rId5"/>
+    <p:sldId id="260" r:id="rId6"/>
+    <p:sldId id="261" r:id="rId7"/>
+    <p:sldId id="262" r:id="rId8"/>
+    <p:sldId id="263" r:id="rId9"/>
+    <p:sldId id="264" r:id="rId10"/>
+    <p:sldId id="265" r:id="rId11"/>
+    <p:sldId id="266" r:id="rId12"/>
+    <p:sldId id="267" r:id="rId13"/>
+    <p:sldId id="268" r:id="rId14"/>
+    <p:sldId id="269" r:id="rId15"/>
+    <p:sldId id="270" r:id="rId16"/>
+    <p:sldId id="271" r:id="rId17"/>
+    <p:sldId id="272" r:id="rId18"/>
+    <p:sldId id="273" r:id="rId19"/>
+    <p:sldId id="274" r:id="rId20"/>
+    <p:sldId id="275" r:id="rId21"/>
+    <p:sldId id="276" r:id="rId22"/>
+    <p:sldId id="277" r:id="rId23"/>
+    <p:sldId id="278" r:id="rId24"/>
+    <p:sldId id="279" r:id="rId25"/>
+    <p:sldId id="280" r:id="rId26"/>
+    <p:sldId id="281" r:id="rId27"/>
+    <p:sldId id="282" r:id="rId28"/>
+    <p:sldId id="283" r:id="rId29"/>
+    <p:sldId id="284" r:id="rId30"/>
+    <p:sldId id="285" r:id="rId31"/>
+    <p:sldId id="286" r:id="rId32"/>
   </p:sldIdLst>
   <p:sldSz cx="9144000" cy="6858000" type="screen4x3"/>
   <p:notesSz cx="6858000" cy="9144000"/>
@@ -3210,6 +3237,736 @@
 </p:sld>
 </file>
 
+<file path=ppt/slides/slide10.xml><?xml version="1.0" encoding="utf-8"?>
+<p:sld xmlns:a="http://schemas.openxmlformats.org/drawingml/2006/main" xmlns:r="http://schemas.openxmlformats.org/officeDocument/2006/relationships" xmlns:p="http://schemas.openxmlformats.org/presentationml/2006/main">
+  <p:cSld>
+    <p:spTree>
+      <p:nvGrpSpPr>
+        <p:cNvPr id="1" name=""/>
+        <p:cNvGrpSpPr/>
+        <p:nvPr/>
+      </p:nvGrpSpPr>
+      <p:grpSpPr>
+        <a:xfrm>
+          <a:off x="0" y="0"/>
+          <a:ext cx="0" cy="0"/>
+          <a:chOff x="0" y="0"/>
+          <a:chExt cx="0" cy="0"/>
+        </a:xfrm>
+      </p:grpSpPr>
+      <p:sp>
+        <p:nvSpPr>
+          <p:cNvPr id="2" name="Title 1"/>
+          <p:cNvSpPr>
+            <a:spLocks noGrp="1"/>
+          </p:cNvSpPr>
+          <p:nvPr>
+            <p:ph type="title"/>
+          </p:nvPr>
+        </p:nvSpPr>
+        <p:spPr/>
+        <p:txBody>
+          <a:bodyPr/>
+          <a:lstStyle/>
+          <a:p>
+            <a:pPr lvl="0" indent="0" marL="0">
+              <a:buNone/>
+            </a:pPr>
+            <a:r>
+              <a:rPr/>
+              <a:t>BST over Hash Table</a:t>
+            </a:r>
+          </a:p>
+        </p:txBody>
+      </p:sp>
+      <p:sp>
+        <p:nvSpPr>
+          <p:cNvPr id="3" name="Content Placeholder 2"/>
+          <p:cNvSpPr>
+            <a:spLocks noGrp="1"/>
+          </p:cNvSpPr>
+          <p:nvPr>
+            <p:ph idx="1"/>
+          </p:nvPr>
+        </p:nvSpPr>
+        <p:spPr/>
+        <p:txBody>
+          <a:bodyPr/>
+          <a:lstStyle/>
+          <a:p>
+            <a:pPr lvl="0"/>
+            <a:r>
+              <a:rPr/>
+              <a:t>https://www.geeksforgeeks.org/advantages-of-bst-over-hash-table/?ref=lbp</a:t>
+            </a:r>
+          </a:p>
+          <a:p>
+            <a:pPr lvl="0"/>
+            <a:r>
+              <a:rPr/>
+              <a:t>Construction and Conversions</a:t>
+            </a:r>
+          </a:p>
+          <a:p>
+            <a:pPr lvl="0"/>
+            <a:r>
+              <a:rPr/>
+              <a:t>Check Smallest/Largest Element</a:t>
+            </a:r>
+          </a:p>
+        </p:txBody>
+      </p:sp>
+    </p:spTree>
+  </p:cSld>
+</p:sld>
+</file>
+
+<file path=ppt/slides/slide11.xml><?xml version="1.0" encoding="utf-8"?>
+<p:sld xmlns:a="http://schemas.openxmlformats.org/drawingml/2006/main" xmlns:r="http://schemas.openxmlformats.org/officeDocument/2006/relationships" xmlns:p="http://schemas.openxmlformats.org/presentationml/2006/main">
+  <p:cSld>
+    <p:spTree>
+      <p:nvGrpSpPr>
+        <p:cNvPr id="1" name=""/>
+        <p:cNvGrpSpPr/>
+        <p:nvPr/>
+      </p:nvGrpSpPr>
+      <p:grpSpPr>
+        <a:xfrm>
+          <a:off x="0" y="0"/>
+          <a:ext cx="0" cy="0"/>
+          <a:chOff x="0" y="0"/>
+          <a:chExt cx="0" cy="0"/>
+        </a:xfrm>
+      </p:grpSpPr>
+      <p:sp>
+        <p:nvSpPr>
+          <p:cNvPr id="2" name="Title 1"/>
+          <p:cNvSpPr>
+            <a:spLocks noGrp="1"/>
+          </p:cNvSpPr>
+          <p:nvPr>
+            <p:ph type="title"/>
+          </p:nvPr>
+        </p:nvSpPr>
+        <p:spPr/>
+        <p:txBody>
+          <a:bodyPr/>
+          <a:lstStyle/>
+          <a:p>
+            <a:pPr lvl="0" indent="0" marL="0">
+              <a:buNone/>
+            </a:pPr>
+            <a:r>
+              <a:rPr/>
+              <a:t>Red Black Tree and Threaded Binary Tree</a:t>
+            </a:r>
+          </a:p>
+        </p:txBody>
+      </p:sp>
+      <p:sp>
+        <p:nvSpPr>
+          <p:cNvPr id="3" name="Content Placeholder 2"/>
+          <p:cNvSpPr>
+            <a:spLocks noGrp="1"/>
+          </p:cNvSpPr>
+          <p:nvPr>
+            <p:ph idx="1"/>
+          </p:nvPr>
+        </p:nvSpPr>
+        <p:spPr/>
+        <p:txBody>
+          <a:bodyPr/>
+          <a:lstStyle/>
+          <a:p>
+            <a:pPr lvl="0"/>
+            <a:r>
+              <a:rPr/>
+              <a:t>https://www.geeksforgeeks.org/threaded-binary-tree/</a:t>
+            </a:r>
+          </a:p>
+        </p:txBody>
+      </p:sp>
+    </p:spTree>
+  </p:cSld>
+</p:sld>
+</file>
+
+<file path=ppt/slides/slide12.xml><?xml version="1.0" encoding="utf-8"?>
+<p:sld xmlns:a="http://schemas.openxmlformats.org/drawingml/2006/main" xmlns:r="http://schemas.openxmlformats.org/officeDocument/2006/relationships" xmlns:p="http://schemas.openxmlformats.org/presentationml/2006/main">
+  <p:cSld>
+    <p:spTree>
+      <p:nvGrpSpPr>
+        <p:cNvPr id="1" name=""/>
+        <p:cNvGrpSpPr/>
+        <p:nvPr/>
+      </p:nvGrpSpPr>
+      <p:grpSpPr>
+        <a:xfrm>
+          <a:off x="0" y="0"/>
+          <a:ext cx="0" cy="0"/>
+          <a:chOff x="0" y="0"/>
+          <a:chExt cx="0" cy="0"/>
+        </a:xfrm>
+      </p:grpSpPr>
+      <p:sp>
+        <p:nvSpPr>
+          <p:cNvPr id="2" name="Title 1"/>
+          <p:cNvSpPr>
+            <a:spLocks noGrp="1"/>
+          </p:cNvSpPr>
+          <p:nvPr>
+            <p:ph type="title"/>
+          </p:nvPr>
+        </p:nvSpPr>
+        <p:spPr/>
+        <p:txBody>
+          <a:bodyPr/>
+          <a:lstStyle/>
+          <a:p>
+            <a:pPr lvl="0" indent="0" marL="0">
+              <a:buNone/>
+            </a:pPr>
+            <a:r>
+              <a:rPr/>
+              <a:t>AVL Trees</a:t>
+            </a:r>
+          </a:p>
+        </p:txBody>
+      </p:sp>
+      <p:sp>
+        <p:nvSpPr>
+          <p:cNvPr id="3" name="Content Placeholder 2"/>
+          <p:cNvSpPr>
+            <a:spLocks noGrp="1"/>
+          </p:cNvSpPr>
+          <p:nvPr>
+            <p:ph idx="1"/>
+          </p:nvPr>
+        </p:nvSpPr>
+        <p:spPr/>
+        <p:txBody>
+          <a:bodyPr/>
+          <a:lstStyle/>
+          <a:p>
+            <a:pPr lvl="0"/>
+            <a:r>
+              <a:rPr/>
+              <a:t>http://www.btechsmartclass.com/data_structures/avl-trees.html</a:t>
+            </a:r>
+          </a:p>
+          <a:p>
+            <a:pPr lvl="0"/>
+            <a:r>
+              <a:rPr/>
+              <a:t>https://visualgo.net/en/bst (Select AVL)</a:t>
+            </a:r>
+          </a:p>
+          <a:p>
+            <a:pPr lvl="0"/>
+            <a:r>
+              <a:rPr/>
+              <a:t>https://www.cs.usfca.edu/~galles/visualization/AVLtree.html</a:t>
+            </a:r>
+          </a:p>
+        </p:txBody>
+      </p:sp>
+    </p:spTree>
+  </p:cSld>
+</p:sld>
+</file>
+
+<file path=ppt/slides/slide13.xml><?xml version="1.0" encoding="utf-8"?>
+<p:sld xmlns:a="http://schemas.openxmlformats.org/drawingml/2006/main" xmlns:r="http://schemas.openxmlformats.org/officeDocument/2006/relationships" xmlns:p="http://schemas.openxmlformats.org/presentationml/2006/main">
+  <p:cSld>
+    <p:spTree>
+      <p:nvGrpSpPr>
+        <p:cNvPr id="1" name=""/>
+        <p:cNvGrpSpPr/>
+        <p:nvPr/>
+      </p:nvGrpSpPr>
+      <p:grpSpPr>
+        <a:xfrm>
+          <a:off x="0" y="0"/>
+          <a:ext cx="0" cy="0"/>
+          <a:chOff x="0" y="0"/>
+          <a:chExt cx="0" cy="0"/>
+        </a:xfrm>
+      </p:grpSpPr>
+      <p:sp>
+        <p:nvSpPr>
+          <p:cNvPr id="2" name="Title 1"/>
+          <p:cNvSpPr>
+            <a:spLocks noGrp="1"/>
+          </p:cNvSpPr>
+          <p:nvPr>
+            <p:ph type="title"/>
+          </p:nvPr>
+        </p:nvSpPr>
+        <p:spPr/>
+        <p:txBody>
+          <a:bodyPr/>
+          <a:lstStyle/>
+          <a:p>
+            <a:pPr lvl="0" indent="0" marL="0">
+              <a:buNone/>
+            </a:pPr>
+            <a:r>
+              <a:rPr/>
+              <a:t>B Trees</a:t>
+            </a:r>
+          </a:p>
+        </p:txBody>
+      </p:sp>
+      <p:sp>
+        <p:nvSpPr>
+          <p:cNvPr id="3" name="Content Placeholder 2"/>
+          <p:cNvSpPr>
+            <a:spLocks noGrp="1"/>
+          </p:cNvSpPr>
+          <p:nvPr>
+            <p:ph idx="1"/>
+          </p:nvPr>
+        </p:nvSpPr>
+        <p:spPr/>
+        <p:txBody>
+          <a:bodyPr/>
+          <a:lstStyle/>
+          <a:p>
+            <a:pPr lvl="0"/>
+            <a:r>
+              <a:rPr/>
+              <a:t>http://www.btechsmartclass.com/data_structures/b-trees.html</a:t>
+            </a:r>
+          </a:p>
+          <a:p>
+            <a:pPr lvl="0"/>
+            <a:r>
+              <a:rPr/>
+              <a:t>https://www.cs.usfca.edu/~galles/visualization/BTree.html</a:t>
+            </a:r>
+          </a:p>
+        </p:txBody>
+      </p:sp>
+    </p:spTree>
+  </p:cSld>
+</p:sld>
+</file>
+
+<file path=ppt/slides/slide14.xml><?xml version="1.0" encoding="utf-8"?>
+<p:sld xmlns:a="http://schemas.openxmlformats.org/drawingml/2006/main" xmlns:r="http://schemas.openxmlformats.org/officeDocument/2006/relationships" xmlns:p="http://schemas.openxmlformats.org/presentationml/2006/main">
+  <p:cSld>
+    <p:spTree>
+      <p:nvGrpSpPr>
+        <p:cNvPr id="1" name=""/>
+        <p:cNvGrpSpPr/>
+        <p:nvPr/>
+      </p:nvGrpSpPr>
+      <p:grpSpPr>
+        <a:xfrm>
+          <a:off x="0" y="0"/>
+          <a:ext cx="0" cy="0"/>
+          <a:chOff x="0" y="0"/>
+          <a:chExt cx="0" cy="0"/>
+        </a:xfrm>
+      </p:grpSpPr>
+      <p:sp>
+        <p:nvSpPr>
+          <p:cNvPr id="2" name="Title 1"/>
+          <p:cNvSpPr>
+            <a:spLocks noGrp="1"/>
+          </p:cNvSpPr>
+          <p:nvPr>
+            <p:ph type="title"/>
+          </p:nvPr>
+        </p:nvSpPr>
+        <p:spPr/>
+        <p:txBody>
+          <a:bodyPr/>
+          <a:lstStyle/>
+          <a:p>
+            <a:pPr lvl="0" indent="0" marL="0">
+              <a:buNone/>
+            </a:pPr>
+            <a:r>
+              <a:rPr/>
+              <a:t>Defitinion of B Trees</a:t>
+            </a:r>
+          </a:p>
+        </p:txBody>
+      </p:sp>
+      <p:sp>
+        <p:nvSpPr>
+          <p:cNvPr id="3" name="Content Placeholder 2"/>
+          <p:cNvSpPr>
+            <a:spLocks noGrp="1"/>
+          </p:cNvSpPr>
+          <p:nvPr>
+            <p:ph idx="1"/>
+          </p:nvPr>
+        </p:nvSpPr>
+        <p:spPr/>
+        <p:txBody>
+          <a:bodyPr/>
+          <a:lstStyle/>
+          <a:p>
+            <a:pPr lvl="0"/>
+            <a:r>
+              <a:rPr/>
+              <a:t>https://www.geeksforgeeks.org/introduction-of-b-tree-2/</a:t>
+            </a:r>
+          </a:p>
+        </p:txBody>
+      </p:sp>
+    </p:spTree>
+  </p:cSld>
+</p:sld>
+</file>
+
+<file path=ppt/slides/slide15.xml><?xml version="1.0" encoding="utf-8"?>
+<p:sld xmlns:a="http://schemas.openxmlformats.org/drawingml/2006/main" xmlns:r="http://schemas.openxmlformats.org/officeDocument/2006/relationships" xmlns:p="http://schemas.openxmlformats.org/presentationml/2006/main">
+  <p:cSld>
+    <p:spTree>
+      <p:nvGrpSpPr>
+        <p:cNvPr id="1" name=""/>
+        <p:cNvGrpSpPr/>
+        <p:nvPr/>
+      </p:nvGrpSpPr>
+      <p:grpSpPr>
+        <a:xfrm>
+          <a:off x="0" y="0"/>
+          <a:ext cx="0" cy="0"/>
+          <a:chOff x="0" y="0"/>
+          <a:chExt cx="0" cy="0"/>
+        </a:xfrm>
+      </p:grpSpPr>
+      <p:sp>
+        <p:nvSpPr>
+          <p:cNvPr id="3" name="Content Placeholder 2"/>
+          <p:cNvSpPr>
+            <a:spLocks noGrp="1"/>
+          </p:cNvSpPr>
+          <p:nvPr>
+            <p:ph idx="1"/>
+          </p:nvPr>
+        </p:nvSpPr>
+        <p:spPr/>
+        <p:txBody>
+          <a:bodyPr/>
+          <a:lstStyle/>
+          <a:p>
+            <a:pPr lvl="0" indent="0" marL="0">
+              <a:spcBef>
+                <a:spcPts val="3000"/>
+              </a:spcBef>
+              <a:buNone/>
+            </a:pPr>
+            <a:r>
+              <a:rPr b="1"/>
+              <a:t>Basic operations on B tree</a:t>
+            </a:r>
+          </a:p>
+          <a:p>
+            <a:pPr lvl="0"/>
+            <a:r>
+              <a:rPr/>
+              <a:t>https://www.geeksforgeeks.org/insert-operation-in-b-tree/</a:t>
+            </a:r>
+          </a:p>
+          <a:p>
+            <a:pPr lvl="0"/>
+            <a:r>
+              <a:rPr/>
+              <a:t>https://www.guru99.com/b-tree-example.html</a:t>
+            </a:r>
+          </a:p>
+        </p:txBody>
+      </p:sp>
+    </p:spTree>
+  </p:cSld>
+</p:sld>
+</file>
+
+<file path=ppt/slides/slide16.xml><?xml version="1.0" encoding="utf-8"?>
+<p:sld xmlns:a="http://schemas.openxmlformats.org/drawingml/2006/main" xmlns:r="http://schemas.openxmlformats.org/officeDocument/2006/relationships" xmlns:p="http://schemas.openxmlformats.org/presentationml/2006/main">
+  <p:cSld>
+    <p:spTree>
+      <p:nvGrpSpPr>
+        <p:cNvPr id="1" name=""/>
+        <p:cNvGrpSpPr/>
+        <p:nvPr/>
+      </p:nvGrpSpPr>
+      <p:grpSpPr>
+        <a:xfrm>
+          <a:off x="0" y="0"/>
+          <a:ext cx="0" cy="0"/>
+          <a:chOff x="0" y="0"/>
+          <a:chExt cx="0" cy="0"/>
+        </a:xfrm>
+      </p:grpSpPr>
+      <p:sp>
+        <p:nvSpPr>
+          <p:cNvPr id="3" name="Content Placeholder 2"/>
+          <p:cNvSpPr>
+            <a:spLocks noGrp="1"/>
+          </p:cNvSpPr>
+          <p:nvPr>
+            <p:ph idx="1"/>
+          </p:nvPr>
+        </p:nvSpPr>
+        <p:spPr/>
+        <p:txBody>
+          <a:bodyPr/>
+          <a:lstStyle/>
+          <a:p>
+            <a:pPr lvl="0" indent="0" marL="0">
+              <a:spcBef>
+                <a:spcPts val="3000"/>
+              </a:spcBef>
+              <a:buNone/>
+            </a:pPr>
+            <a:r>
+              <a:rPr b="1"/>
+              <a:t>Deleting a key from a B tree</a:t>
+            </a:r>
+          </a:p>
+          <a:p>
+            <a:pPr lvl="0"/>
+            <a:r>
+              <a:rPr/>
+              <a:t>https://www.geeksforgeeks.org/delete-operation-in-b-tree/</a:t>
+            </a:r>
+          </a:p>
+        </p:txBody>
+      </p:sp>
+    </p:spTree>
+  </p:cSld>
+</p:sld>
+</file>
+
+<file path=ppt/slides/slide17.xml><?xml version="1.0" encoding="utf-8"?>
+<p:sld xmlns:a="http://schemas.openxmlformats.org/drawingml/2006/main" xmlns:r="http://schemas.openxmlformats.org/officeDocument/2006/relationships" xmlns:p="http://schemas.openxmlformats.org/presentationml/2006/main">
+  <p:cSld>
+    <p:spTree>
+      <p:nvGrpSpPr>
+        <p:cNvPr id="1" name=""/>
+        <p:cNvGrpSpPr/>
+        <p:nvPr/>
+      </p:nvGrpSpPr>
+      <p:grpSpPr>
+        <a:xfrm>
+          <a:off x="0" y="0"/>
+          <a:ext cx="0" cy="0"/>
+          <a:chOff x="0" y="0"/>
+          <a:chExt cx="0" cy="0"/>
+        </a:xfrm>
+      </p:grpSpPr>
+      <p:sp>
+        <p:nvSpPr>
+          <p:cNvPr id="2" name="Title 1"/>
+          <p:cNvSpPr>
+            <a:spLocks noGrp="1"/>
+          </p:cNvSpPr>
+          <p:nvPr>
+            <p:ph type="title"/>
+          </p:nvPr>
+        </p:nvSpPr>
+        <p:spPr/>
+        <p:txBody>
+          <a:bodyPr/>
+          <a:lstStyle/>
+          <a:p>
+            <a:pPr lvl="0" indent="0" marL="0">
+              <a:buNone/>
+            </a:pPr>
+            <a:r>
+              <a:rPr/>
+              <a:t>2 3 4 Trees</a:t>
+            </a:r>
+          </a:p>
+        </p:txBody>
+      </p:sp>
+      <p:sp>
+        <p:nvSpPr>
+          <p:cNvPr id="3" name="Content Placeholder 2"/>
+          <p:cNvSpPr>
+            <a:spLocks noGrp="1"/>
+          </p:cNvSpPr>
+          <p:nvPr>
+            <p:ph idx="1"/>
+          </p:nvPr>
+        </p:nvSpPr>
+        <p:spPr/>
+        <p:txBody>
+          <a:bodyPr/>
+          <a:lstStyle/>
+          <a:p>
+            <a:pPr lvl="0"/>
+            <a:r>
+              <a:rPr/>
+              <a:t>https://en.wikipedia.org/wiki/2%E2%80%933%E2%80%934_tree</a:t>
+            </a:r>
+          </a:p>
+        </p:txBody>
+      </p:sp>
+    </p:spTree>
+  </p:cSld>
+</p:sld>
+</file>
+
+<file path=ppt/slides/slide18.xml><?xml version="1.0" encoding="utf-8"?>
+<p:sld xmlns:a="http://schemas.openxmlformats.org/drawingml/2006/main" xmlns:r="http://schemas.openxmlformats.org/officeDocument/2006/relationships" xmlns:p="http://schemas.openxmlformats.org/presentationml/2006/main">
+  <p:cSld>
+    <p:spTree>
+      <p:nvGrpSpPr>
+        <p:cNvPr id="1" name=""/>
+        <p:cNvGrpSpPr/>
+        <p:nvPr/>
+      </p:nvGrpSpPr>
+      <p:grpSpPr>
+        <a:xfrm>
+          <a:off x="0" y="0"/>
+          <a:ext cx="0" cy="0"/>
+          <a:chOff x="0" y="0"/>
+          <a:chExt cx="0" cy="0"/>
+        </a:xfrm>
+      </p:grpSpPr>
+      <p:sp>
+        <p:nvSpPr>
+          <p:cNvPr id="2" name="Title 1"/>
+          <p:cNvSpPr>
+            <a:spLocks noGrp="1"/>
+          </p:cNvSpPr>
+          <p:nvPr>
+            <p:ph type="title"/>
+          </p:nvPr>
+        </p:nvSpPr>
+        <p:spPr/>
+        <p:txBody>
+          <a:bodyPr/>
+          <a:lstStyle/>
+          <a:p>
+            <a:pPr lvl="0" indent="0" marL="0">
+              <a:buNone/>
+            </a:pPr>
+            <a:r>
+              <a:rPr/>
+              <a:t>2 3 Trees</a:t>
+            </a:r>
+          </a:p>
+        </p:txBody>
+      </p:sp>
+      <p:sp>
+        <p:nvSpPr>
+          <p:cNvPr id="3" name="Content Placeholder 2"/>
+          <p:cNvSpPr>
+            <a:spLocks noGrp="1"/>
+          </p:cNvSpPr>
+          <p:nvPr>
+            <p:ph idx="1"/>
+          </p:nvPr>
+        </p:nvSpPr>
+        <p:spPr/>
+        <p:txBody>
+          <a:bodyPr/>
+          <a:lstStyle/>
+          <a:p>
+            <a:pPr lvl="0"/>
+            <a:r>
+              <a:rPr/>
+              <a:t>https://en.wikipedia.org/wiki/2%E2%80%933_tree</a:t>
+            </a:r>
+          </a:p>
+        </p:txBody>
+      </p:sp>
+    </p:spTree>
+  </p:cSld>
+</p:sld>
+</file>
+
+<file path=ppt/slides/slide19.xml><?xml version="1.0" encoding="utf-8"?>
+<p:sld xmlns:a="http://schemas.openxmlformats.org/drawingml/2006/main" xmlns:r="http://schemas.openxmlformats.org/officeDocument/2006/relationships" xmlns:p="http://schemas.openxmlformats.org/presentationml/2006/main">
+  <p:cSld>
+    <p:spTree>
+      <p:nvGrpSpPr>
+        <p:cNvPr id="1" name=""/>
+        <p:cNvGrpSpPr/>
+        <p:nvPr/>
+      </p:nvGrpSpPr>
+      <p:grpSpPr>
+        <a:xfrm>
+          <a:off x="0" y="0"/>
+          <a:ext cx="0" cy="0"/>
+          <a:chOff x="0" y="0"/>
+          <a:chExt cx="0" cy="0"/>
+        </a:xfrm>
+      </p:grpSpPr>
+      <p:sp>
+        <p:nvSpPr>
+          <p:cNvPr id="2" name="Title 1"/>
+          <p:cNvSpPr>
+            <a:spLocks noGrp="1"/>
+          </p:cNvSpPr>
+          <p:nvPr>
+            <p:ph type="title"/>
+          </p:nvPr>
+        </p:nvSpPr>
+        <p:spPr/>
+        <p:txBody>
+          <a:bodyPr/>
+          <a:lstStyle/>
+          <a:p>
+            <a:pPr lvl="0" indent="0" marL="0">
+              <a:buNone/>
+            </a:pPr>
+            <a:r>
+              <a:rPr/>
+              <a:t>B+ Trees</a:t>
+            </a:r>
+          </a:p>
+        </p:txBody>
+      </p:sp>
+      <p:sp>
+        <p:nvSpPr>
+          <p:cNvPr id="3" name="Content Placeholder 2"/>
+          <p:cNvSpPr>
+            <a:spLocks noGrp="1"/>
+          </p:cNvSpPr>
+          <p:nvPr>
+            <p:ph idx="1"/>
+          </p:nvPr>
+        </p:nvSpPr>
+        <p:spPr/>
+        <p:txBody>
+          <a:bodyPr/>
+          <a:lstStyle/>
+          <a:p>
+            <a:pPr lvl="0"/>
+            <a:r>
+              <a:rPr/>
+              <a:t>https://www.geeksforgeeks.org/introduction-of-b-tree/</a:t>
+            </a:r>
+          </a:p>
+          <a:p>
+            <a:pPr lvl="0"/>
+            <a:r>
+              <a:rPr/>
+              <a:t>https://www.cs.usfca.edu/~galles/visualization/BPlusTree.html</a:t>
+            </a:r>
+          </a:p>
+          <a:p>
+            <a:pPr lvl="0"/>
+            <a:r>
+              <a:rPr/>
+              <a:t>https://www.geeksforgeeks.org/difference-between-b-tree-and-b-tree/?ref=rp</a:t>
+            </a:r>
+          </a:p>
+        </p:txBody>
+      </p:sp>
+    </p:spTree>
+  </p:cSld>
+</p:sld>
+</file>
+
 <file path=ppt/slides/slide2.xml><?xml version="1.0" encoding="utf-8"?>
 <p:sld xmlns:a="http://schemas.openxmlformats.org/drawingml/2006/main" xmlns:r="http://schemas.openxmlformats.org/officeDocument/2006/relationships" xmlns:p="http://schemas.openxmlformats.org/presentationml/2006/main">
   <p:cSld>
@@ -3253,6 +4010,790 @@
             <a:r>
               <a:rPr/>
               <a:t>CE205 Data Structures</a:t>
+            </a:r>
+          </a:p>
+        </p:txBody>
+      </p:sp>
+    </p:spTree>
+  </p:cSld>
+</p:sld>
+</file>
+
+<file path=ppt/slides/slide20.xml><?xml version="1.0" encoding="utf-8"?>
+<p:sld xmlns:a="http://schemas.openxmlformats.org/drawingml/2006/main" xmlns:r="http://schemas.openxmlformats.org/officeDocument/2006/relationships" xmlns:p="http://schemas.openxmlformats.org/presentationml/2006/main">
+  <p:cSld>
+    <p:spTree>
+      <p:nvGrpSpPr>
+        <p:cNvPr id="1" name=""/>
+        <p:cNvGrpSpPr/>
+        <p:nvPr/>
+      </p:nvGrpSpPr>
+      <p:grpSpPr>
+        <a:xfrm>
+          <a:off x="0" y="0"/>
+          <a:ext cx="0" cy="0"/>
+          <a:chOff x="0" y="0"/>
+          <a:chExt cx="0" cy="0"/>
+        </a:xfrm>
+      </p:grpSpPr>
+      <p:sp>
+        <p:nvSpPr>
+          <p:cNvPr id="2" name="Title 1"/>
+          <p:cNvSpPr>
+            <a:spLocks noGrp="1"/>
+          </p:cNvSpPr>
+          <p:nvPr>
+            <p:ph type="title"/>
+          </p:nvPr>
+        </p:nvSpPr>
+        <p:spPr/>
+        <p:txBody>
+          <a:bodyPr/>
+          <a:lstStyle/>
+          <a:p>
+            <a:pPr lvl="0" indent="0" marL="0">
+              <a:buNone/>
+            </a:pPr>
+            <a:r>
+              <a:rPr/>
+              <a:t>R Trees</a:t>
+            </a:r>
+          </a:p>
+        </p:txBody>
+      </p:sp>
+      <p:sp>
+        <p:nvSpPr>
+          <p:cNvPr id="3" name="Content Placeholder 2"/>
+          <p:cNvSpPr>
+            <a:spLocks noGrp="1"/>
+          </p:cNvSpPr>
+          <p:nvPr>
+            <p:ph idx="1"/>
+          </p:nvPr>
+        </p:nvSpPr>
+        <p:spPr/>
+        <p:txBody>
+          <a:bodyPr/>
+          <a:lstStyle/>
+          <a:p>
+            <a:pPr lvl="0"/>
+            <a:r>
+              <a:rPr/>
+              <a:t>https://www.geeksforgeeks.org/introduction-to-r-tree/?ref=rp</a:t>
+            </a:r>
+          </a:p>
+        </p:txBody>
+      </p:sp>
+    </p:spTree>
+  </p:cSld>
+</p:sld>
+</file>
+
+<file path=ppt/slides/slide21.xml><?xml version="1.0" encoding="utf-8"?>
+<p:sld xmlns:a="http://schemas.openxmlformats.org/drawingml/2006/main" xmlns:r="http://schemas.openxmlformats.org/officeDocument/2006/relationships" xmlns:p="http://schemas.openxmlformats.org/presentationml/2006/main">
+  <p:cSld>
+    <p:spTree>
+      <p:nvGrpSpPr>
+        <p:cNvPr id="1" name=""/>
+        <p:cNvGrpSpPr/>
+        <p:nvPr/>
+      </p:nvGrpSpPr>
+      <p:grpSpPr>
+        <a:xfrm>
+          <a:off x="0" y="0"/>
+          <a:ext cx="0" cy="0"/>
+          <a:chOff x="0" y="0"/>
+          <a:chExt cx="0" cy="0"/>
+        </a:xfrm>
+      </p:grpSpPr>
+      <p:sp>
+        <p:nvSpPr>
+          <p:cNvPr id="2" name="Title 1"/>
+          <p:cNvSpPr>
+            <a:spLocks noGrp="1"/>
+          </p:cNvSpPr>
+          <p:nvPr>
+            <p:ph type="title"/>
+          </p:nvPr>
+        </p:nvSpPr>
+        <p:spPr/>
+        <p:txBody>
+          <a:bodyPr/>
+          <a:lstStyle/>
+          <a:p>
+            <a:pPr lvl="0" indent="0" marL="0">
+              <a:buNone/>
+            </a:pPr>
+            <a:r>
+              <a:rPr/>
+              <a:t>Red - Black Tree Datastructure</a:t>
+            </a:r>
+          </a:p>
+        </p:txBody>
+      </p:sp>
+      <p:sp>
+        <p:nvSpPr>
+          <p:cNvPr id="3" name="Content Placeholder 2"/>
+          <p:cNvSpPr>
+            <a:spLocks noGrp="1"/>
+          </p:cNvSpPr>
+          <p:nvPr>
+            <p:ph idx="1"/>
+          </p:nvPr>
+        </p:nvSpPr>
+        <p:spPr/>
+        <p:txBody>
+          <a:bodyPr/>
+          <a:lstStyle/>
+          <a:p>
+            <a:pPr lvl="0"/>
+            <a:r>
+              <a:rPr/>
+              <a:t>http://www.btechsmartclass.com/data_structures/red-black-trees.html</a:t>
+            </a:r>
+          </a:p>
+          <a:p>
+            <a:pPr lvl="0"/>
+            <a:r>
+              <a:rPr/>
+              <a:t>https://www.geeksforgeeks.org/red-black-tree-set-1-introduction-2/?ref=rp</a:t>
+            </a:r>
+          </a:p>
+          <a:p>
+            <a:pPr lvl="0"/>
+            <a:r>
+              <a:rPr/>
+              <a:t>https://www.geeksforgeeks.org/red-black-tree-set-2-insert/</a:t>
+            </a:r>
+          </a:p>
+          <a:p>
+            <a:pPr lvl="0"/>
+            <a:r>
+              <a:rPr/>
+              <a:t>https://www.geeksforgeeks.org/red-black-tree-set-3-delete-2/</a:t>
+            </a:r>
+          </a:p>
+        </p:txBody>
+      </p:sp>
+    </p:spTree>
+  </p:cSld>
+</p:sld>
+</file>
+
+<file path=ppt/slides/slide22.xml><?xml version="1.0" encoding="utf-8"?>
+<p:sld xmlns:a="http://schemas.openxmlformats.org/drawingml/2006/main" xmlns:r="http://schemas.openxmlformats.org/officeDocument/2006/relationships" xmlns:p="http://schemas.openxmlformats.org/presentationml/2006/main">
+  <p:cSld>
+    <p:spTree>
+      <p:nvGrpSpPr>
+        <p:cNvPr id="1" name=""/>
+        <p:cNvGrpSpPr/>
+        <p:nvPr/>
+      </p:nvGrpSpPr>
+      <p:grpSpPr>
+        <a:xfrm>
+          <a:off x="0" y="0"/>
+          <a:ext cx="0" cy="0"/>
+          <a:chOff x="0" y="0"/>
+          <a:chExt cx="0" cy="0"/>
+        </a:xfrm>
+      </p:grpSpPr>
+      <p:sp>
+        <p:nvSpPr>
+          <p:cNvPr id="2" name="Title 1"/>
+          <p:cNvSpPr>
+            <a:spLocks noGrp="1"/>
+          </p:cNvSpPr>
+          <p:nvPr>
+            <p:ph type="title"/>
+          </p:nvPr>
+        </p:nvSpPr>
+        <p:spPr/>
+        <p:txBody>
+          <a:bodyPr/>
+          <a:lstStyle/>
+          <a:p>
+            <a:pPr lvl="0" indent="0" marL="0">
+              <a:buNone/>
+            </a:pPr>
+            <a:r>
+              <a:rPr/>
+              <a:t>Splay Tree Datastructure</a:t>
+            </a:r>
+          </a:p>
+        </p:txBody>
+      </p:sp>
+      <p:sp>
+        <p:nvSpPr>
+          <p:cNvPr id="3" name="Content Placeholder 2"/>
+          <p:cNvSpPr>
+            <a:spLocks noGrp="1"/>
+          </p:cNvSpPr>
+          <p:nvPr>
+            <p:ph idx="1"/>
+          </p:nvPr>
+        </p:nvSpPr>
+        <p:spPr/>
+        <p:txBody>
+          <a:bodyPr/>
+          <a:lstStyle/>
+          <a:p>
+            <a:pPr lvl="0"/>
+            <a:r>
+              <a:rPr/>
+              <a:t>http://www.btechsmartclass.com/data_structures/splay-trees.html</a:t>
+            </a:r>
+          </a:p>
+          <a:p>
+            <a:pPr lvl="0"/>
+            <a:r>
+              <a:rPr/>
+              <a:t>https://www.geeksforgeeks.org/splay-tree-set-1-insert/?ref=rp</a:t>
+            </a:r>
+          </a:p>
+          <a:p>
+            <a:pPr lvl="0"/>
+            <a:r>
+              <a:rPr/>
+              <a:t>https://www.geeksforgeeks.org/splay-tree-set-2-insert-delete/</a:t>
+            </a:r>
+          </a:p>
+          <a:p>
+            <a:pPr lvl="0"/>
+            <a:r>
+              <a:rPr/>
+              <a:t>https://www.geeksforgeeks.org/splay-tree-set-3-delete/?ref=rp</a:t>
+            </a:r>
+          </a:p>
+        </p:txBody>
+      </p:sp>
+    </p:spTree>
+  </p:cSld>
+</p:sld>
+</file>
+
+<file path=ppt/slides/slide23.xml><?xml version="1.0" encoding="utf-8"?>
+<p:sld xmlns:a="http://schemas.openxmlformats.org/drawingml/2006/main" xmlns:r="http://schemas.openxmlformats.org/officeDocument/2006/relationships" xmlns:p="http://schemas.openxmlformats.org/presentationml/2006/main">
+  <p:cSld>
+    <p:spTree>
+      <p:nvGrpSpPr>
+        <p:cNvPr id="1" name=""/>
+        <p:cNvGrpSpPr/>
+        <p:nvPr/>
+      </p:nvGrpSpPr>
+      <p:grpSpPr>
+        <a:xfrm>
+          <a:off x="0" y="0"/>
+          <a:ext cx="0" cy="0"/>
+          <a:chOff x="0" y="0"/>
+          <a:chExt cx="0" cy="0"/>
+        </a:xfrm>
+      </p:grpSpPr>
+      <p:sp>
+        <p:nvSpPr>
+          <p:cNvPr id="2" name="Title 1"/>
+          <p:cNvSpPr>
+            <a:spLocks noGrp="1"/>
+          </p:cNvSpPr>
+          <p:nvPr>
+            <p:ph type="title"/>
+          </p:nvPr>
+        </p:nvSpPr>
+        <p:spPr/>
+        <p:txBody>
+          <a:bodyPr/>
+          <a:lstStyle/>
+          <a:p>
+            <a:pPr lvl="0" indent="0" marL="0">
+              <a:buNone/>
+            </a:pPr>
+            <a:r>
+              <a:rPr/>
+              <a:t>Augmenting Data Structures</a:t>
+            </a:r>
+          </a:p>
+        </p:txBody>
+      </p:sp>
+      <p:sp>
+        <p:nvSpPr>
+          <p:cNvPr id="3" name="Content Placeholder 2"/>
+          <p:cNvSpPr>
+            <a:spLocks noGrp="1"/>
+          </p:cNvSpPr>
+          <p:nvPr>
+            <p:ph idx="1"/>
+          </p:nvPr>
+        </p:nvSpPr>
+        <p:spPr/>
+        <p:txBody>
+          <a:bodyPr/>
+          <a:lstStyle/>
+          <a:p>
+            <a:pPr lvl="0"/>
+            <a:r>
+              <a:rPr/>
+              <a:t>http://cs.bilkent.edu.tr/~ugur/teaching/cs502/material/cs502_2_ADS.pdf</a:t>
+            </a:r>
+          </a:p>
+          <a:p>
+            <a:pPr lvl="0"/>
+            <a:r>
+              <a:rPr/>
+              <a:t>https://iq.opengenus.org/augmented-data-structures/</a:t>
+            </a:r>
+          </a:p>
+          <a:p>
+            <a:pPr lvl="0"/>
+            <a:r>
+              <a:rPr/>
+              <a:t>http://staff.ustc.edu.cn/~csli/graduate/algorithms/book6/chap15.htm</a:t>
+            </a:r>
+          </a:p>
+          <a:p>
+            <a:pPr lvl="0"/>
+            <a:r>
+              <a:rPr/>
+              <a:t>http://www.facweb.iitkgp.ac.in/~sourav/Lecture-11.pdf</a:t>
+            </a:r>
+          </a:p>
+        </p:txBody>
+      </p:sp>
+    </p:spTree>
+  </p:cSld>
+</p:sld>
+</file>
+
+<file path=ppt/slides/slide24.xml><?xml version="1.0" encoding="utf-8"?>
+<p:sld xmlns:a="http://schemas.openxmlformats.org/drawingml/2006/main" xmlns:r="http://schemas.openxmlformats.org/officeDocument/2006/relationships" xmlns:p="http://schemas.openxmlformats.org/presentationml/2006/main">
+  <p:cSld>
+    <p:spTree>
+      <p:nvGrpSpPr>
+        <p:cNvPr id="1" name=""/>
+        <p:cNvGrpSpPr/>
+        <p:nvPr/>
+      </p:nvGrpSpPr>
+      <p:grpSpPr>
+        <a:xfrm>
+          <a:off x="0" y="0"/>
+          <a:ext cx="0" cy="0"/>
+          <a:chOff x="0" y="0"/>
+          <a:chExt cx="0" cy="0"/>
+        </a:xfrm>
+      </p:grpSpPr>
+      <p:sp>
+        <p:nvSpPr>
+          <p:cNvPr id="2" name="Title 1"/>
+          <p:cNvSpPr>
+            <a:spLocks noGrp="1"/>
+          </p:cNvSpPr>
+          <p:nvPr>
+            <p:ph type="title"/>
+          </p:nvPr>
+        </p:nvSpPr>
+        <p:spPr/>
+        <p:txBody>
+          <a:bodyPr/>
+          <a:lstStyle/>
+          <a:p>
+            <a:pPr lvl="0" indent="0" marL="0">
+              <a:buNone/>
+            </a:pPr>
+            <a:r>
+              <a:rPr/>
+              <a:t>Dynamic order statistics</a:t>
+            </a:r>
+          </a:p>
+        </p:txBody>
+      </p:sp>
+      <p:sp>
+        <p:nvSpPr>
+          <p:cNvPr id="3" name="Content Placeholder 2"/>
+          <p:cNvSpPr>
+            <a:spLocks noGrp="1"/>
+          </p:cNvSpPr>
+          <p:nvPr>
+            <p:ph idx="1"/>
+          </p:nvPr>
+        </p:nvSpPr>
+        <p:spPr/>
+        <p:txBody>
+          <a:bodyPr/>
+          <a:lstStyle/>
+          <a:p>
+            <a:pPr lvl="0"/>
+            <a:r>
+              <a:rPr/>
+              <a:t>http://www.facweb.iitkgp.ac.in/~sourav/Lecture-11.pdf</a:t>
+            </a:r>
+          </a:p>
+        </p:txBody>
+      </p:sp>
+    </p:spTree>
+  </p:cSld>
+</p:sld>
+</file>
+
+<file path=ppt/slides/slide25.xml><?xml version="1.0" encoding="utf-8"?>
+<p:sld xmlns:a="http://schemas.openxmlformats.org/drawingml/2006/main" xmlns:r="http://schemas.openxmlformats.org/officeDocument/2006/relationships" xmlns:p="http://schemas.openxmlformats.org/presentationml/2006/main">
+  <p:cSld>
+    <p:spTree>
+      <p:nvGrpSpPr>
+        <p:cNvPr id="1" name=""/>
+        <p:cNvGrpSpPr/>
+        <p:nvPr/>
+      </p:nvGrpSpPr>
+      <p:grpSpPr>
+        <a:xfrm>
+          <a:off x="0" y="0"/>
+          <a:ext cx="0" cy="0"/>
+          <a:chOff x="0" y="0"/>
+          <a:chExt cx="0" cy="0"/>
+        </a:xfrm>
+      </p:grpSpPr>
+      <p:sp>
+        <p:nvSpPr>
+          <p:cNvPr id="2" name="Title 1"/>
+          <p:cNvSpPr>
+            <a:spLocks noGrp="1"/>
+          </p:cNvSpPr>
+          <p:nvPr>
+            <p:ph type="title"/>
+          </p:nvPr>
+        </p:nvSpPr>
+        <p:spPr/>
+        <p:txBody>
+          <a:bodyPr/>
+          <a:lstStyle/>
+          <a:p>
+            <a:pPr lvl="0" indent="0" marL="0">
+              <a:buNone/>
+            </a:pPr>
+            <a:r>
+              <a:rPr/>
+              <a:t>How to augment a data structure</a:t>
+            </a:r>
+          </a:p>
+        </p:txBody>
+      </p:sp>
+      <p:sp>
+        <p:nvSpPr>
+          <p:cNvPr id="3" name="Content Placeholder 2"/>
+          <p:cNvSpPr>
+            <a:spLocks noGrp="1"/>
+          </p:cNvSpPr>
+          <p:nvPr>
+            <p:ph idx="1"/>
+          </p:nvPr>
+        </p:nvSpPr>
+        <p:spPr/>
+        <p:txBody>
+          <a:bodyPr/>
+          <a:lstStyle/>
+          <a:p>
+            <a:pPr lvl="0"/>
+            <a:r>
+              <a:rPr/>
+              <a:t>http://www.facweb.iitkgp.ac.in/~sourav/Lecture-11.pdf</a:t>
+            </a:r>
+          </a:p>
+        </p:txBody>
+      </p:sp>
+    </p:spTree>
+  </p:cSld>
+</p:sld>
+</file>
+
+<file path=ppt/slides/slide26.xml><?xml version="1.0" encoding="utf-8"?>
+<p:sld xmlns:a="http://schemas.openxmlformats.org/drawingml/2006/main" xmlns:r="http://schemas.openxmlformats.org/officeDocument/2006/relationships" xmlns:p="http://schemas.openxmlformats.org/presentationml/2006/main">
+  <p:cSld>
+    <p:spTree>
+      <p:nvGrpSpPr>
+        <p:cNvPr id="1" name=""/>
+        <p:cNvGrpSpPr/>
+        <p:nvPr/>
+      </p:nvGrpSpPr>
+      <p:grpSpPr>
+        <a:xfrm>
+          <a:off x="0" y="0"/>
+          <a:ext cx="0" cy="0"/>
+          <a:chOff x="0" y="0"/>
+          <a:chExt cx="0" cy="0"/>
+        </a:xfrm>
+      </p:grpSpPr>
+      <p:sp>
+        <p:nvSpPr>
+          <p:cNvPr id="2" name="Title 1"/>
+          <p:cNvSpPr>
+            <a:spLocks noGrp="1"/>
+          </p:cNvSpPr>
+          <p:nvPr>
+            <p:ph type="title"/>
+          </p:nvPr>
+        </p:nvSpPr>
+        <p:spPr/>
+        <p:txBody>
+          <a:bodyPr/>
+          <a:lstStyle/>
+          <a:p>
+            <a:pPr lvl="0" indent="0" marL="0">
+              <a:buNone/>
+            </a:pPr>
+            <a:r>
+              <a:rPr/>
+              <a:t>Interval trees</a:t>
+            </a:r>
+          </a:p>
+        </p:txBody>
+      </p:sp>
+      <p:sp>
+        <p:nvSpPr>
+          <p:cNvPr id="3" name="Content Placeholder 2"/>
+          <p:cNvSpPr>
+            <a:spLocks noGrp="1"/>
+          </p:cNvSpPr>
+          <p:nvPr>
+            <p:ph idx="1"/>
+          </p:nvPr>
+        </p:nvSpPr>
+        <p:spPr/>
+        <p:txBody>
+          <a:bodyPr/>
+          <a:lstStyle/>
+          <a:p>
+            <a:pPr lvl="0"/>
+            <a:r>
+              <a:rPr/>
+              <a:t>https://www.geeksforgeeks.org/interval-tree/</a:t>
+            </a:r>
+          </a:p>
+        </p:txBody>
+      </p:sp>
+    </p:spTree>
+  </p:cSld>
+</p:sld>
+</file>
+
+<file path=ppt/slides/slide27.xml><?xml version="1.0" encoding="utf-8"?>
+<p:sld xmlns:a="http://schemas.openxmlformats.org/drawingml/2006/main" xmlns:r="http://schemas.openxmlformats.org/officeDocument/2006/relationships" xmlns:p="http://schemas.openxmlformats.org/presentationml/2006/main">
+  <p:cSld>
+    <p:spTree>
+      <p:nvGrpSpPr>
+        <p:cNvPr id="1" name=""/>
+        <p:cNvGrpSpPr/>
+        <p:nvPr/>
+      </p:nvGrpSpPr>
+      <p:grpSpPr>
+        <a:xfrm>
+          <a:off x="0" y="0"/>
+          <a:ext cx="0" cy="0"/>
+          <a:chOff x="0" y="0"/>
+          <a:chExt cx="0" cy="0"/>
+        </a:xfrm>
+      </p:grpSpPr>
+      <p:sp>
+        <p:nvSpPr>
+          <p:cNvPr id="2" name="Title 1"/>
+          <p:cNvSpPr>
+            <a:spLocks noGrp="1"/>
+          </p:cNvSpPr>
+          <p:nvPr>
+            <p:ph type="title"/>
+          </p:nvPr>
+        </p:nvSpPr>
+        <p:spPr/>
+        <p:txBody>
+          <a:bodyPr/>
+          <a:lstStyle/>
+          <a:p>
+            <a:pPr lvl="0" indent="0" marL="0">
+              <a:buNone/>
+            </a:pPr>
+            <a:r>
+              <a:rPr/>
+              <a:t>van Emde Boas Trees</a:t>
+            </a:r>
+          </a:p>
+        </p:txBody>
+      </p:sp>
+      <p:sp>
+        <p:nvSpPr>
+          <p:cNvPr id="3" name="Content Placeholder 2"/>
+          <p:cNvSpPr>
+            <a:spLocks noGrp="1"/>
+          </p:cNvSpPr>
+          <p:nvPr>
+            <p:ph idx="1"/>
+          </p:nvPr>
+        </p:nvSpPr>
+        <p:spPr/>
+        <p:txBody>
+          <a:bodyPr/>
+          <a:lstStyle/>
+          <a:p>
+            <a:pPr lvl="0"/>
+            <a:r>
+              <a:rPr/>
+              <a:t>https://www.geeksforgeeks.org/van-emde-boas-tree-set-1-basics-and-construction/</a:t>
+            </a:r>
+          </a:p>
+          <a:p>
+            <a:pPr lvl="0"/>
+            <a:r>
+              <a:rPr/>
+              <a:t>https://web.stanford.edu/class/archive/cs/cs166/cs166.1146/lectures/14/Small14.pdf</a:t>
+            </a:r>
+          </a:p>
+          <a:p>
+            <a:pPr lvl="0"/>
+            <a:r>
+              <a:rPr/>
+              <a:t>Preliminary approaches</a:t>
+            </a:r>
+          </a:p>
+          <a:p>
+            <a:pPr lvl="0"/>
+            <a:r>
+              <a:rPr/>
+              <a:t>A recursive structure</a:t>
+            </a:r>
+          </a:p>
+        </p:txBody>
+      </p:sp>
+    </p:spTree>
+  </p:cSld>
+</p:sld>
+</file>
+
+<file path=ppt/slides/slide28.xml><?xml version="1.0" encoding="utf-8"?>
+<p:sld xmlns:a="http://schemas.openxmlformats.org/drawingml/2006/main" xmlns:r="http://schemas.openxmlformats.org/officeDocument/2006/relationships" xmlns:p="http://schemas.openxmlformats.org/presentationml/2006/main">
+  <p:cSld>
+    <p:spTree>
+      <p:nvGrpSpPr>
+        <p:cNvPr id="1" name=""/>
+        <p:cNvGrpSpPr/>
+        <p:nvPr/>
+      </p:nvGrpSpPr>
+      <p:grpSpPr>
+        <a:xfrm>
+          <a:off x="0" y="0"/>
+          <a:ext cx="0" cy="0"/>
+          <a:chOff x="0" y="0"/>
+          <a:chExt cx="0" cy="0"/>
+        </a:xfrm>
+      </p:grpSpPr>
+      <p:sp>
+        <p:nvSpPr>
+          <p:cNvPr id="2" name="Title 1"/>
+          <p:cNvSpPr>
+            <a:spLocks noGrp="1"/>
+          </p:cNvSpPr>
+          <p:nvPr>
+            <p:ph type="title"/>
+          </p:nvPr>
+        </p:nvSpPr>
+        <p:spPr/>
+        <p:txBody>
+          <a:bodyPr/>
+          <a:lstStyle/>
+          <a:p>
+            <a:pPr lvl="0" indent="0" marL="0">
+              <a:buNone/>
+            </a:pPr>
+            <a:r>
+              <a:rPr/>
+              <a:t>Binomial Trees</a:t>
+            </a:r>
+          </a:p>
+        </p:txBody>
+      </p:sp>
+      <p:sp>
+        <p:nvSpPr>
+          <p:cNvPr id="3" name="Content Placeholder 2"/>
+          <p:cNvSpPr>
+            <a:spLocks noGrp="1"/>
+          </p:cNvSpPr>
+          <p:nvPr>
+            <p:ph idx="1"/>
+          </p:nvPr>
+        </p:nvSpPr>
+        <p:spPr/>
+        <p:txBody>
+          <a:bodyPr/>
+          <a:lstStyle/>
+          <a:p>
+            <a:pPr lvl="0"/>
+            <a:r>
+              <a:rPr/>
+              <a:t>https://www.geeksforgeeks.org/binomial-heap-2/#:~:text=What%20is%20a%20Binomial%20Tree,as%20leftmost%20child%20or%20other.</a:t>
+            </a:r>
+          </a:p>
+        </p:txBody>
+      </p:sp>
+    </p:spTree>
+  </p:cSld>
+</p:sld>
+</file>
+
+<file path=ppt/slides/slide29.xml><?xml version="1.0" encoding="utf-8"?>
+<p:sld xmlns:a="http://schemas.openxmlformats.org/drawingml/2006/main" xmlns:r="http://schemas.openxmlformats.org/officeDocument/2006/relationships" xmlns:p="http://schemas.openxmlformats.org/presentationml/2006/main">
+  <p:cSld>
+    <p:spTree>
+      <p:nvGrpSpPr>
+        <p:cNvPr id="1" name=""/>
+        <p:cNvGrpSpPr/>
+        <p:nvPr/>
+      </p:nvGrpSpPr>
+      <p:grpSpPr>
+        <a:xfrm>
+          <a:off x="0" y="0"/>
+          <a:ext cx="0" cy="0"/>
+          <a:chOff x="0" y="0"/>
+          <a:chExt cx="0" cy="0"/>
+        </a:xfrm>
+      </p:grpSpPr>
+      <p:sp>
+        <p:nvSpPr>
+          <p:cNvPr id="2" name="Title 1"/>
+          <p:cNvSpPr>
+            <a:spLocks noGrp="1"/>
+          </p:cNvSpPr>
+          <p:nvPr>
+            <p:ph type="title"/>
+          </p:nvPr>
+        </p:nvSpPr>
+        <p:spPr/>
+        <p:txBody>
+          <a:bodyPr/>
+          <a:lstStyle/>
+          <a:p>
+            <a:pPr lvl="0" indent="0" marL="0">
+              <a:buNone/>
+            </a:pPr>
+            <a:r>
+              <a:rPr/>
+              <a:t>Comparison of Search Trees</a:t>
+            </a:r>
+          </a:p>
+        </p:txBody>
+      </p:sp>
+      <p:sp>
+        <p:nvSpPr>
+          <p:cNvPr id="3" name="Content Placeholder 2"/>
+          <p:cNvSpPr>
+            <a:spLocks noGrp="1"/>
+          </p:cNvSpPr>
+          <p:nvPr>
+            <p:ph idx="1"/>
+          </p:nvPr>
+        </p:nvSpPr>
+        <p:spPr/>
+        <p:txBody>
+          <a:bodyPr/>
+          <a:lstStyle/>
+          <a:p>
+            <a:pPr lvl="0"/>
+            <a:r>
+              <a:rPr/>
+              <a:t>http://www.btechsmartclass.com/data_structures/comparison-of-search-trees.html</a:t>
             </a:r>
           </a:p>
         </p:txBody>
@@ -3314,6 +4855,180 @@
 </p:sld>
 </file>
 
+<file path=ppt/slides/slide30.xml><?xml version="1.0" encoding="utf-8"?>
+<p:sld xmlns:a="http://schemas.openxmlformats.org/drawingml/2006/main" xmlns:r="http://schemas.openxmlformats.org/officeDocument/2006/relationships" xmlns:p="http://schemas.openxmlformats.org/presentationml/2006/main">
+  <p:cSld>
+    <p:spTree>
+      <p:nvGrpSpPr>
+        <p:cNvPr id="1" name=""/>
+        <p:cNvGrpSpPr/>
+        <p:nvPr/>
+      </p:nvGrpSpPr>
+      <p:grpSpPr>
+        <a:xfrm>
+          <a:off x="0" y="0"/>
+          <a:ext cx="0" cy="0"/>
+          <a:chOff x="0" y="0"/>
+          <a:chExt cx="0" cy="0"/>
+        </a:xfrm>
+      </p:grpSpPr>
+      <p:sp>
+        <p:nvSpPr>
+          <p:cNvPr id="2" name="Title 1"/>
+          <p:cNvSpPr>
+            <a:spLocks noGrp="1"/>
+          </p:cNvSpPr>
+          <p:nvPr>
+            <p:ph type="title"/>
+          </p:nvPr>
+        </p:nvSpPr>
+        <p:spPr/>
+        <p:txBody>
+          <a:bodyPr/>
+          <a:lstStyle/>
+          <a:p>
+            <a:pPr lvl="0" indent="0" marL="0">
+              <a:buNone/>
+            </a:pPr>
+            <a:r>
+              <a:rPr/>
+              <a:t>Minimax Tree</a:t>
+            </a:r>
+          </a:p>
+        </p:txBody>
+      </p:sp>
+      <p:sp>
+        <p:nvSpPr>
+          <p:cNvPr id="3" name="Content Placeholder 2"/>
+          <p:cNvSpPr>
+            <a:spLocks noGrp="1"/>
+          </p:cNvSpPr>
+          <p:nvPr>
+            <p:ph idx="1"/>
+          </p:nvPr>
+        </p:nvSpPr>
+        <p:spPr/>
+        <p:txBody>
+          <a:bodyPr/>
+          <a:lstStyle/>
+          <a:p>
+            <a:pPr lvl="0"/>
+            <a:r>
+              <a:rPr/>
+              <a:t>https://www.geeksforgeeks.org/minimax-algorithm-in-game-theory-set-1-introduction/</a:t>
+            </a:r>
+          </a:p>
+        </p:txBody>
+      </p:sp>
+    </p:spTree>
+  </p:cSld>
+</p:sld>
+</file>
+
+<file path=ppt/slides/slide31.xml><?xml version="1.0" encoding="utf-8"?>
+<p:sld xmlns:a="http://schemas.openxmlformats.org/drawingml/2006/main" xmlns:r="http://schemas.openxmlformats.org/officeDocument/2006/relationships" xmlns:p="http://schemas.openxmlformats.org/presentationml/2006/main">
+  <p:cSld>
+    <p:spTree>
+      <p:nvGrpSpPr>
+        <p:cNvPr id="1" name=""/>
+        <p:cNvGrpSpPr/>
+        <p:nvPr/>
+      </p:nvGrpSpPr>
+      <p:grpSpPr>
+        <a:xfrm>
+          <a:off x="0" y="0"/>
+          <a:ext cx="0" cy="0"/>
+          <a:chOff x="0" y="0"/>
+          <a:chExt cx="0" cy="0"/>
+        </a:xfrm>
+      </p:grpSpPr>
+      <mc:AlternateContent xmlns:mc="http://schemas.openxmlformats.org/markup-compatibility/2006">
+        <mc:Choice xmlns:a14="http://schemas.microsoft.com/office/drawing/2010/main" Requires="a14">
+          <p:sp>
+            <p:nvSpPr>
+              <p:cNvPr id="3" name="Content Placeholder 2"/>
+              <p:cNvSpPr>
+                <a:spLocks noGrp="1"/>
+              </p:cNvSpPr>
+              <p:nvPr>
+                <p:ph idx="1"/>
+              </p:nvPr>
+            </p:nvSpPr>
+            <p:spPr/>
+            <p:txBody>
+              <a:bodyPr/>
+              <a:lstStyle/>
+              <a:p>
+                <a:pPr lvl="0" indent="0" marL="0">
+                  <a:buNone/>
+                </a:pPr>
+                <a14:m>
+                  <m:oMathPara xmlns:m="http://schemas.openxmlformats.org/officeDocument/2006/math">
+                    <m:oMathParaPr>
+                      <m:jc m:val="center"/>
+                    </m:oMathParaPr>
+                    <m:oMath>
+                      <m:r>
+                        <m:t>E</m:t>
+                      </m:r>
+                      <m:r>
+                        <m:t>n</m:t>
+                      </m:r>
+                      <m:r>
+                        <m:t>d</m:t>
+                      </m:r>
+                      <m:r>
+                        <m:rPr>
+                          <m:sty m:val="p"/>
+                        </m:rPr>
+                        <m:t>−</m:t>
+                      </m:r>
+                      <m:r>
+                        <m:t>O</m:t>
+                      </m:r>
+                      <m:r>
+                        <m:t>f</m:t>
+                      </m:r>
+                      <m:r>
+                        <m:rPr>
+                          <m:sty m:val="p"/>
+                        </m:rPr>
+                        <m:t>−</m:t>
+                      </m:r>
+                      <m:r>
+                        <m:t>W</m:t>
+                      </m:r>
+                      <m:r>
+                        <m:t>e</m:t>
+                      </m:r>
+                      <m:r>
+                        <m:t>e</m:t>
+                      </m:r>
+                      <m:r>
+                        <m:t>k</m:t>
+                      </m:r>
+                      <m:r>
+                        <m:rPr>
+                          <m:sty m:val="p"/>
+                        </m:rPr>
+                        <m:t>−</m:t>
+                      </m:r>
+                      <m:r>
+                        <m:t>10</m:t>
+                      </m:r>
+                    </m:oMath>
+                  </m:oMathPara>
+                </a14:m>
+              </a:p>
+            </p:txBody>
+          </p:sp>
+        </mc:Choice>
+      </mc:AlternateContent>
+    </p:spTree>
+  </p:cSld>
+</p:sld>
+</file>
+
 <file path=ppt/slides/slide4.xml><?xml version="1.0" encoding="utf-8"?>
 <p:sld xmlns:a="http://schemas.openxmlformats.org/drawingml/2006/main" xmlns:r="http://schemas.openxmlformats.org/officeDocument/2006/relationships" xmlns:p="http://schemas.openxmlformats.org/presentationml/2006/main">
   <p:cSld>
@@ -3403,6 +5118,587 @@
                 <a:hlinkClick r:id="rId4"/>
               </a:rPr>
               <a:t>PPTX</a:t>
+            </a:r>
+          </a:p>
+        </p:txBody>
+      </p:sp>
+    </p:spTree>
+  </p:cSld>
+</p:sld>
+</file>
+
+<file path=ppt/slides/slide5.xml><?xml version="1.0" encoding="utf-8"?>
+<p:sld xmlns:a="http://schemas.openxmlformats.org/drawingml/2006/main" xmlns:r="http://schemas.openxmlformats.org/officeDocument/2006/relationships" xmlns:p="http://schemas.openxmlformats.org/presentationml/2006/main">
+  <p:cSld>
+    <p:spTree>
+      <p:nvGrpSpPr>
+        <p:cNvPr id="1" name=""/>
+        <p:cNvGrpSpPr/>
+        <p:nvPr/>
+      </p:nvGrpSpPr>
+      <p:grpSpPr>
+        <a:xfrm>
+          <a:off x="0" y="0"/>
+          <a:ext cx="0" cy="0"/>
+          <a:chOff x="0" y="0"/>
+          <a:chExt cx="0" cy="0"/>
+        </a:xfrm>
+      </p:grpSpPr>
+      <p:sp>
+        <p:nvSpPr>
+          <p:cNvPr id="2" name="Title 1"/>
+          <p:cNvSpPr>
+            <a:spLocks noGrp="1"/>
+          </p:cNvSpPr>
+          <p:nvPr>
+            <p:ph type="title"/>
+          </p:nvPr>
+        </p:nvSpPr>
+        <p:spPr/>
+        <p:txBody>
+          <a:bodyPr/>
+          <a:lstStyle/>
+          <a:p>
+            <a:pPr lvl="0" indent="0" marL="0">
+              <a:buNone/>
+            </a:pPr>
+            <a:r>
+              <a:rPr/>
+              <a:t>Outline</a:t>
+            </a:r>
+          </a:p>
+        </p:txBody>
+      </p:sp>
+      <p:sp>
+        <p:nvSpPr>
+          <p:cNvPr id="3" name="Content Placeholder 2"/>
+          <p:cNvSpPr>
+            <a:spLocks noGrp="1"/>
+          </p:cNvSpPr>
+          <p:nvPr>
+            <p:ph idx="1"/>
+          </p:nvPr>
+        </p:nvSpPr>
+        <p:spPr/>
+        <p:txBody>
+          <a:bodyPr/>
+          <a:lstStyle/>
+          <a:p>
+            <a:pPr lvl="0"/>
+            <a:r>
+              <a:rPr/>
+              <a:t>Trees</a:t>
+            </a:r>
+          </a:p>
+          <a:p>
+            <a:pPr lvl="1"/>
+            <a:r>
+              <a:rPr/>
+              <a:t>Binary Search Tree</a:t>
+            </a:r>
+          </a:p>
+          <a:p>
+            <a:pPr lvl="2"/>
+            <a:r>
+              <a:rPr/>
+              <a:t>Search and Insertion</a:t>
+            </a:r>
+          </a:p>
+          <a:p>
+            <a:pPr lvl="2"/>
+            <a:r>
+              <a:rPr/>
+              <a:t>Delete</a:t>
+            </a:r>
+          </a:p>
+          <a:p>
+            <a:pPr lvl="2"/>
+            <a:r>
+              <a:rPr/>
+              <a:t>BST over Hash Table</a:t>
+            </a:r>
+          </a:p>
+          <a:p>
+            <a:pPr lvl="2"/>
+            <a:r>
+              <a:rPr/>
+              <a:t>Construction and Conversions</a:t>
+            </a:r>
+          </a:p>
+          <a:p>
+            <a:pPr lvl="2"/>
+            <a:r>
+              <a:rPr/>
+              <a:t>Check Smallest/Largest Element</a:t>
+            </a:r>
+          </a:p>
+        </p:txBody>
+      </p:sp>
+    </p:spTree>
+  </p:cSld>
+</p:sld>
+</file>
+
+<file path=ppt/slides/slide6.xml><?xml version="1.0" encoding="utf-8"?>
+<p:sld xmlns:a="http://schemas.openxmlformats.org/drawingml/2006/main" xmlns:r="http://schemas.openxmlformats.org/officeDocument/2006/relationships" xmlns:p="http://schemas.openxmlformats.org/presentationml/2006/main">
+  <p:cSld>
+    <p:spTree>
+      <p:nvGrpSpPr>
+        <p:cNvPr id="1" name=""/>
+        <p:cNvGrpSpPr/>
+        <p:nvPr/>
+      </p:nvGrpSpPr>
+      <p:grpSpPr>
+        <a:xfrm>
+          <a:off x="0" y="0"/>
+          <a:ext cx="0" cy="0"/>
+          <a:chOff x="0" y="0"/>
+          <a:chExt cx="0" cy="0"/>
+        </a:xfrm>
+      </p:grpSpPr>
+      <p:sp>
+        <p:nvSpPr>
+          <p:cNvPr id="2" name="Title 1"/>
+          <p:cNvSpPr>
+            <a:spLocks noGrp="1"/>
+          </p:cNvSpPr>
+          <p:nvPr>
+            <p:ph type="title"/>
+          </p:nvPr>
+        </p:nvSpPr>
+        <p:spPr/>
+        <p:txBody>
+          <a:bodyPr/>
+          <a:lstStyle/>
+          <a:p>
+            <a:pPr lvl="0" indent="0" marL="0">
+              <a:buNone/>
+            </a:pPr>
+            <a:r>
+              <a:rPr/>
+              <a:t>Outline</a:t>
+            </a:r>
+          </a:p>
+        </p:txBody>
+      </p:sp>
+      <p:sp>
+        <p:nvSpPr>
+          <p:cNvPr id="3" name="Content Placeholder 2"/>
+          <p:cNvSpPr>
+            <a:spLocks noGrp="1"/>
+          </p:cNvSpPr>
+          <p:nvPr>
+            <p:ph idx="1"/>
+          </p:nvPr>
+        </p:nvSpPr>
+        <p:spPr/>
+        <p:txBody>
+          <a:bodyPr/>
+          <a:lstStyle/>
+          <a:p>
+            <a:pPr lvl="0"/>
+            <a:r>
+              <a:rPr/>
+              <a:t>Trees</a:t>
+            </a:r>
+          </a:p>
+          <a:p>
+            <a:pPr lvl="1"/>
+            <a:r>
+              <a:rPr/>
+              <a:t>Red Black Tree and Threaded Binary Tree</a:t>
+            </a:r>
+          </a:p>
+          <a:p>
+            <a:pPr lvl="1"/>
+            <a:r>
+              <a:rPr/>
+              <a:t>AVL Trees</a:t>
+            </a:r>
+          </a:p>
+          <a:p>
+            <a:pPr lvl="1"/>
+            <a:r>
+              <a:rPr/>
+              <a:t>B Trees</a:t>
+            </a:r>
+          </a:p>
+          <a:p>
+            <a:pPr lvl="2"/>
+            <a:r>
+              <a:rPr/>
+              <a:t>Defitinion of B Trees</a:t>
+            </a:r>
+          </a:p>
+          <a:p>
+            <a:pPr lvl="2"/>
+            <a:r>
+              <a:rPr/>
+              <a:t>Basic operations on B tree</a:t>
+            </a:r>
+          </a:p>
+          <a:p>
+            <a:pPr lvl="2"/>
+            <a:r>
+              <a:rPr/>
+              <a:t>Deleting a key from a B tree</a:t>
+            </a:r>
+          </a:p>
+          <a:p>
+            <a:pPr lvl="1"/>
+            <a:r>
+              <a:rPr/>
+              <a:t>2 3 4 Trees</a:t>
+            </a:r>
+          </a:p>
+          <a:p>
+            <a:pPr lvl="1"/>
+            <a:r>
+              <a:rPr/>
+              <a:t>2 3 Trees</a:t>
+            </a:r>
+          </a:p>
+          <a:p>
+            <a:pPr lvl="1"/>
+            <a:r>
+              <a:rPr/>
+              <a:t>B+ Trees</a:t>
+            </a:r>
+          </a:p>
+        </p:txBody>
+      </p:sp>
+    </p:spTree>
+  </p:cSld>
+</p:sld>
+</file>
+
+<file path=ppt/slides/slide7.xml><?xml version="1.0" encoding="utf-8"?>
+<p:sld xmlns:a="http://schemas.openxmlformats.org/drawingml/2006/main" xmlns:r="http://schemas.openxmlformats.org/officeDocument/2006/relationships" xmlns:p="http://schemas.openxmlformats.org/presentationml/2006/main">
+  <p:cSld>
+    <p:spTree>
+      <p:nvGrpSpPr>
+        <p:cNvPr id="1" name=""/>
+        <p:cNvGrpSpPr/>
+        <p:nvPr/>
+      </p:nvGrpSpPr>
+      <p:grpSpPr>
+        <a:xfrm>
+          <a:off x="0" y="0"/>
+          <a:ext cx="0" cy="0"/>
+          <a:chOff x="0" y="0"/>
+          <a:chExt cx="0" cy="0"/>
+        </a:xfrm>
+      </p:grpSpPr>
+      <p:sp>
+        <p:nvSpPr>
+          <p:cNvPr id="2" name="Title 1"/>
+          <p:cNvSpPr>
+            <a:spLocks noGrp="1"/>
+          </p:cNvSpPr>
+          <p:nvPr>
+            <p:ph type="title"/>
+          </p:nvPr>
+        </p:nvSpPr>
+        <p:spPr/>
+        <p:txBody>
+          <a:bodyPr/>
+          <a:lstStyle/>
+          <a:p>
+            <a:pPr lvl="0" indent="0" marL="0">
+              <a:buNone/>
+            </a:pPr>
+            <a:r>
+              <a:rPr/>
+              <a:t>Outline</a:t>
+            </a:r>
+          </a:p>
+        </p:txBody>
+      </p:sp>
+      <p:sp>
+        <p:nvSpPr>
+          <p:cNvPr id="3" name="Content Placeholder 2"/>
+          <p:cNvSpPr>
+            <a:spLocks noGrp="1"/>
+          </p:cNvSpPr>
+          <p:nvPr>
+            <p:ph idx="1"/>
+          </p:nvPr>
+        </p:nvSpPr>
+        <p:spPr/>
+        <p:txBody>
+          <a:bodyPr/>
+          <a:lstStyle/>
+          <a:p>
+            <a:pPr lvl="0"/>
+            <a:r>
+              <a:rPr/>
+              <a:t>Trees</a:t>
+            </a:r>
+          </a:p>
+          <a:p>
+            <a:pPr lvl="1"/>
+            <a:r>
+              <a:rPr/>
+              <a:t>R Trees</a:t>
+            </a:r>
+          </a:p>
+          <a:p>
+            <a:pPr lvl="1"/>
+            <a:r>
+              <a:rPr/>
+              <a:t>Red - Black Tree Datastructure</a:t>
+            </a:r>
+          </a:p>
+          <a:p>
+            <a:pPr lvl="1"/>
+            <a:r>
+              <a:rPr/>
+              <a:t>Splay Tree Datastructure</a:t>
+            </a:r>
+          </a:p>
+          <a:p>
+            <a:pPr lvl="1"/>
+            <a:r>
+              <a:rPr/>
+              <a:t>Augmenting Data Structures</a:t>
+            </a:r>
+          </a:p>
+          <a:p>
+            <a:pPr lvl="2"/>
+            <a:r>
+              <a:rPr/>
+              <a:t>Dynamic order statistics</a:t>
+            </a:r>
+          </a:p>
+          <a:p>
+            <a:pPr lvl="2"/>
+            <a:r>
+              <a:rPr/>
+              <a:t>How to augment a data structure</a:t>
+            </a:r>
+          </a:p>
+        </p:txBody>
+      </p:sp>
+    </p:spTree>
+  </p:cSld>
+</p:sld>
+</file>
+
+<file path=ppt/slides/slide8.xml><?xml version="1.0" encoding="utf-8"?>
+<p:sld xmlns:a="http://schemas.openxmlformats.org/drawingml/2006/main" xmlns:r="http://schemas.openxmlformats.org/officeDocument/2006/relationships" xmlns:p="http://schemas.openxmlformats.org/presentationml/2006/main">
+  <p:cSld>
+    <p:spTree>
+      <p:nvGrpSpPr>
+        <p:cNvPr id="1" name=""/>
+        <p:cNvGrpSpPr/>
+        <p:nvPr/>
+      </p:nvGrpSpPr>
+      <p:grpSpPr>
+        <a:xfrm>
+          <a:off x="0" y="0"/>
+          <a:ext cx="0" cy="0"/>
+          <a:chOff x="0" y="0"/>
+          <a:chExt cx="0" cy="0"/>
+        </a:xfrm>
+      </p:grpSpPr>
+      <p:sp>
+        <p:nvSpPr>
+          <p:cNvPr id="2" name="Title 1"/>
+          <p:cNvSpPr>
+            <a:spLocks noGrp="1"/>
+          </p:cNvSpPr>
+          <p:nvPr>
+            <p:ph type="title"/>
+          </p:nvPr>
+        </p:nvSpPr>
+        <p:spPr/>
+        <p:txBody>
+          <a:bodyPr/>
+          <a:lstStyle/>
+          <a:p>
+            <a:pPr lvl="0" indent="0" marL="0">
+              <a:buNone/>
+            </a:pPr>
+            <a:r>
+              <a:rPr/>
+              <a:t>Outline</a:t>
+            </a:r>
+          </a:p>
+        </p:txBody>
+      </p:sp>
+      <p:sp>
+        <p:nvSpPr>
+          <p:cNvPr id="3" name="Content Placeholder 2"/>
+          <p:cNvSpPr>
+            <a:spLocks noGrp="1"/>
+          </p:cNvSpPr>
+          <p:nvPr>
+            <p:ph idx="1"/>
+          </p:nvPr>
+        </p:nvSpPr>
+        <p:spPr/>
+        <p:txBody>
+          <a:bodyPr/>
+          <a:lstStyle/>
+          <a:p>
+            <a:pPr lvl="0"/>
+            <a:r>
+              <a:rPr/>
+              <a:t>Trees</a:t>
+            </a:r>
+          </a:p>
+          <a:p>
+            <a:pPr lvl="1"/>
+            <a:r>
+              <a:rPr/>
+              <a:t>Interval trees</a:t>
+            </a:r>
+          </a:p>
+          <a:p>
+            <a:pPr lvl="1"/>
+            <a:r>
+              <a:rPr/>
+              <a:t>van Emde Boas Trees</a:t>
+            </a:r>
+          </a:p>
+          <a:p>
+            <a:pPr lvl="2"/>
+            <a:r>
+              <a:rPr/>
+              <a:t>Preliminary approaches</a:t>
+            </a:r>
+          </a:p>
+          <a:p>
+            <a:pPr lvl="2"/>
+            <a:r>
+              <a:rPr/>
+              <a:t>A recursive structure</a:t>
+            </a:r>
+          </a:p>
+          <a:p>
+            <a:pPr lvl="2"/>
+            <a:r>
+              <a:rPr/>
+              <a:t>The van Emde Boas tree</a:t>
+            </a:r>
+          </a:p>
+          <a:p>
+            <a:pPr lvl="1"/>
+            <a:r>
+              <a:rPr/>
+              <a:t>Binomial Trees</a:t>
+            </a:r>
+          </a:p>
+          <a:p>
+            <a:pPr lvl="1"/>
+            <a:r>
+              <a:rPr/>
+              <a:t>Comparison of Search Trees</a:t>
+            </a:r>
+          </a:p>
+          <a:p>
+            <a:pPr lvl="1"/>
+            <a:r>
+              <a:rPr/>
+              <a:t>Minimax Tree</a:t>
+            </a:r>
+          </a:p>
+        </p:txBody>
+      </p:sp>
+    </p:spTree>
+  </p:cSld>
+</p:sld>
+</file>
+
+<file path=ppt/slides/slide9.xml><?xml version="1.0" encoding="utf-8"?>
+<p:sld xmlns:a="http://schemas.openxmlformats.org/drawingml/2006/main" xmlns:r="http://schemas.openxmlformats.org/officeDocument/2006/relationships" xmlns:p="http://schemas.openxmlformats.org/presentationml/2006/main">
+  <p:cSld>
+    <p:spTree>
+      <p:nvGrpSpPr>
+        <p:cNvPr id="1" name=""/>
+        <p:cNvGrpSpPr/>
+        <p:nvPr/>
+      </p:nvGrpSpPr>
+      <p:grpSpPr>
+        <a:xfrm>
+          <a:off x="0" y="0"/>
+          <a:ext cx="0" cy="0"/>
+          <a:chOff x="0" y="0"/>
+          <a:chExt cx="0" cy="0"/>
+        </a:xfrm>
+      </p:grpSpPr>
+      <p:sp>
+        <p:nvSpPr>
+          <p:cNvPr id="2" name="Title 1"/>
+          <p:cNvSpPr>
+            <a:spLocks noGrp="1"/>
+          </p:cNvSpPr>
+          <p:nvPr>
+            <p:ph type="title"/>
+          </p:nvPr>
+        </p:nvSpPr>
+        <p:spPr/>
+        <p:txBody>
+          <a:bodyPr/>
+          <a:lstStyle/>
+          <a:p>
+            <a:pPr lvl="0" indent="0" marL="0">
+              <a:buNone/>
+            </a:pPr>
+            <a:r>
+              <a:rPr/>
+              <a:t>Binary Search Tree</a:t>
+            </a:r>
+          </a:p>
+        </p:txBody>
+      </p:sp>
+      <p:sp>
+        <p:nvSpPr>
+          <p:cNvPr id="3" name="Content Placeholder 2"/>
+          <p:cNvSpPr>
+            <a:spLocks noGrp="1"/>
+          </p:cNvSpPr>
+          <p:nvPr>
+            <p:ph idx="1"/>
+          </p:nvPr>
+        </p:nvSpPr>
+        <p:spPr/>
+        <p:txBody>
+          <a:bodyPr/>
+          <a:lstStyle/>
+          <a:p>
+            <a:pPr lvl="0"/>
+            <a:r>
+              <a:rPr/>
+              <a:t>http://www.btechsmartclass.com/data_structures/binary-search-tree.html</a:t>
+            </a:r>
+          </a:p>
+          <a:p>
+            <a:pPr lvl="0"/>
+            <a:r>
+              <a:rPr/>
+              <a:t>https://visualgo.net/en/bst?slide=1 (Select BINARY SEARCH TREE)</a:t>
+            </a:r>
+          </a:p>
+          <a:p>
+            <a:pPr lvl="0"/>
+            <a:r>
+              <a:rPr/>
+              <a:t>https://www.cs.usfca.edu/~galles/visualization/BST.html</a:t>
+            </a:r>
+          </a:p>
+          <a:p>
+            <a:pPr lvl="0"/>
+            <a:r>
+              <a:rPr/>
+              <a:t>Search and Insertion</a:t>
+            </a:r>
+          </a:p>
+          <a:p>
+            <a:pPr lvl="0"/>
+            <a:r>
+              <a:rPr/>
+              <a:t>Delete</a:t>
             </a:r>
           </a:p>
         </p:txBody>
